--- a/Presentation1.pptx
+++ b/Presentation1.pptx
@@ -112,7 +112,57 @@
       </a:defRPr>
     </a:lvl9pPr>
   </p:defaultTextStyle>
+  <p:extLst>
+    <p:ext uri="{EFAFB233-063F-42B5-8137-9DF3F51BA10A}">
+      <p15:sldGuideLst xmlns:p15="http://schemas.microsoft.com/office/powerpoint/2012/main"/>
+    </p:ext>
+  </p:extLst>
 </p:presentation>
+</file>
+
+<file path=ppt/changesInfos/changesInfo1.xml><?xml version="1.0" encoding="utf-8"?>
+<pc:chgInfo xmlns:a="http://schemas.openxmlformats.org/drawingml/2006/main" xmlns:r="http://schemas.openxmlformats.org/officeDocument/2006/relationships" xmlns:ac="http://schemas.microsoft.com/office/drawing/2013/main/command" xmlns:pc="http://schemas.microsoft.com/office/powerpoint/2013/main/command">
+  <pc:docChgLst>
+    <pc:chgData name="Gavin Payne" userId="a7059ab5374b9f55" providerId="LiveId" clId="{2E9C0B7F-F1C5-A141-8F12-51876334AF57}"/>
+    <pc:docChg chg="custSel modSld">
+      <pc:chgData name="Gavin Payne" userId="a7059ab5374b9f55" providerId="LiveId" clId="{2E9C0B7F-F1C5-A141-8F12-51876334AF57}" dt="2023-01-13T01:10:14.111" v="130" actId="1076"/>
+      <pc:docMkLst>
+        <pc:docMk/>
+      </pc:docMkLst>
+      <pc:sldChg chg="modSp mod">
+        <pc:chgData name="Gavin Payne" userId="a7059ab5374b9f55" providerId="LiveId" clId="{2E9C0B7F-F1C5-A141-8F12-51876334AF57}" dt="2023-01-13T01:10:14.111" v="130" actId="1076"/>
+        <pc:sldMkLst>
+          <pc:docMk/>
+          <pc:sldMk cId="3102486394" sldId="261"/>
+        </pc:sldMkLst>
+        <pc:spChg chg="mod">
+          <ac:chgData name="Gavin Payne" userId="a7059ab5374b9f55" providerId="LiveId" clId="{2E9C0B7F-F1C5-A141-8F12-51876334AF57}" dt="2023-01-13T01:06:35.476" v="92" actId="1076"/>
+          <ac:spMkLst>
+            <pc:docMk/>
+            <pc:sldMk cId="3102486394" sldId="261"/>
+            <ac:spMk id="2" creationId="{BFD3A38D-7248-F213-0E7C-88EBD1791A50}"/>
+          </ac:spMkLst>
+        </pc:spChg>
+        <pc:spChg chg="mod">
+          <ac:chgData name="Gavin Payne" userId="a7059ab5374b9f55" providerId="LiveId" clId="{2E9C0B7F-F1C5-A141-8F12-51876334AF57}" dt="2023-01-13T01:10:14.111" v="130" actId="1076"/>
+          <ac:spMkLst>
+            <pc:docMk/>
+            <pc:sldMk cId="3102486394" sldId="261"/>
+            <ac:spMk id="3" creationId="{AFFFCFF5-E79F-533B-06A3-43B5D80854C4}"/>
+          </ac:spMkLst>
+        </pc:spChg>
+        <pc:spChg chg="mod">
+          <ac:chgData name="Gavin Payne" userId="a7059ab5374b9f55" providerId="LiveId" clId="{2E9C0B7F-F1C5-A141-8F12-51876334AF57}" dt="2023-01-13T01:10:11.053" v="129" actId="1076"/>
+          <ac:spMkLst>
+            <pc:docMk/>
+            <pc:sldMk cId="3102486394" sldId="261"/>
+            <ac:spMk id="7" creationId="{B8C2AFE6-E279-FF55-E57D-A8D5108BDC87}"/>
+          </ac:spMkLst>
+        </pc:spChg>
+      </pc:sldChg>
+    </pc:docChg>
+  </pc:docChgLst>
+</pc:chgInfo>
 </file>
 
 <file path=ppt/notesMasters/notesMaster1.xml><?xml version="1.0" encoding="utf-8"?>
@@ -197,7 +247,7 @@
           <a:p>
             <a:fld id="{49EB26CE-C365-2647-8D9B-DD80F02BB9A0}" type="datetimeFigureOut">
               <a:rPr lang="en-US" smtClean="0"/>
-              <a:t>1/12/23</a:t>
+              <a:t>1/13/23</a:t>
             </a:fld>
             <a:endParaRPr lang="en-US"/>
           </a:p>
@@ -1786,7 +1836,7 @@
           <a:p>
             <a:fld id="{6AB700A9-371A-EE49-802C-A555FBDE136C}" type="datetimeFigureOut">
               <a:rPr lang="en-US" smtClean="0"/>
-              <a:t>1/12/23</a:t>
+              <a:t>1/13/23</a:t>
             </a:fld>
             <a:endParaRPr lang="en-US"/>
           </a:p>
@@ -1986,7 +2036,7 @@
           <a:p>
             <a:fld id="{6AB700A9-371A-EE49-802C-A555FBDE136C}" type="datetimeFigureOut">
               <a:rPr lang="en-US" smtClean="0"/>
-              <a:t>1/12/23</a:t>
+              <a:t>1/13/23</a:t>
             </a:fld>
             <a:endParaRPr lang="en-US"/>
           </a:p>
@@ -2196,7 +2246,7 @@
           <a:p>
             <a:fld id="{6AB700A9-371A-EE49-802C-A555FBDE136C}" type="datetimeFigureOut">
               <a:rPr lang="en-US" smtClean="0"/>
-              <a:t>1/12/23</a:t>
+              <a:t>1/13/23</a:t>
             </a:fld>
             <a:endParaRPr lang="en-US"/>
           </a:p>
@@ -2396,7 +2446,7 @@
           <a:p>
             <a:fld id="{6AB700A9-371A-EE49-802C-A555FBDE136C}" type="datetimeFigureOut">
               <a:rPr lang="en-US" smtClean="0"/>
-              <a:t>1/12/23</a:t>
+              <a:t>1/13/23</a:t>
             </a:fld>
             <a:endParaRPr lang="en-US"/>
           </a:p>
@@ -2672,7 +2722,7 @@
           <a:p>
             <a:fld id="{6AB700A9-371A-EE49-802C-A555FBDE136C}" type="datetimeFigureOut">
               <a:rPr lang="en-US" smtClean="0"/>
-              <a:t>1/12/23</a:t>
+              <a:t>1/13/23</a:t>
             </a:fld>
             <a:endParaRPr lang="en-US"/>
           </a:p>
@@ -2940,7 +2990,7 @@
           <a:p>
             <a:fld id="{6AB700A9-371A-EE49-802C-A555FBDE136C}" type="datetimeFigureOut">
               <a:rPr lang="en-US" smtClean="0"/>
-              <a:t>1/12/23</a:t>
+              <a:t>1/13/23</a:t>
             </a:fld>
             <a:endParaRPr lang="en-US"/>
           </a:p>
@@ -3355,7 +3405,7 @@
           <a:p>
             <a:fld id="{6AB700A9-371A-EE49-802C-A555FBDE136C}" type="datetimeFigureOut">
               <a:rPr lang="en-US" smtClean="0"/>
-              <a:t>1/12/23</a:t>
+              <a:t>1/13/23</a:t>
             </a:fld>
             <a:endParaRPr lang="en-US"/>
           </a:p>
@@ -3497,7 +3547,7 @@
           <a:p>
             <a:fld id="{6AB700A9-371A-EE49-802C-A555FBDE136C}" type="datetimeFigureOut">
               <a:rPr lang="en-US" smtClean="0"/>
-              <a:t>1/12/23</a:t>
+              <a:t>1/13/23</a:t>
             </a:fld>
             <a:endParaRPr lang="en-US"/>
           </a:p>
@@ -3610,7 +3660,7 @@
           <a:p>
             <a:fld id="{6AB700A9-371A-EE49-802C-A555FBDE136C}" type="datetimeFigureOut">
               <a:rPr lang="en-US" smtClean="0"/>
-              <a:t>1/12/23</a:t>
+              <a:t>1/13/23</a:t>
             </a:fld>
             <a:endParaRPr lang="en-US"/>
           </a:p>
@@ -3923,7 +3973,7 @@
           <a:p>
             <a:fld id="{6AB700A9-371A-EE49-802C-A555FBDE136C}" type="datetimeFigureOut">
               <a:rPr lang="en-US" smtClean="0"/>
-              <a:t>1/12/23</a:t>
+              <a:t>1/13/23</a:t>
             </a:fld>
             <a:endParaRPr lang="en-US"/>
           </a:p>
@@ -4212,7 +4262,7 @@
           <a:p>
             <a:fld id="{6AB700A9-371A-EE49-802C-A555FBDE136C}" type="datetimeFigureOut">
               <a:rPr lang="en-US" smtClean="0"/>
-              <a:t>1/12/23</a:t>
+              <a:t>1/13/23</a:t>
             </a:fld>
             <a:endParaRPr lang="en-US"/>
           </a:p>
@@ -4455,7 +4505,7 @@
           <a:p>
             <a:fld id="{6AB700A9-371A-EE49-802C-A555FBDE136C}" type="datetimeFigureOut">
               <a:rPr lang="en-US" smtClean="0"/>
-              <a:t>1/12/23</a:t>
+              <a:t>1/13/23</a:t>
             </a:fld>
             <a:endParaRPr lang="en-US"/>
           </a:p>
@@ -6029,8 +6079,8 @@
         </p:nvSpPr>
         <p:spPr>
           <a:xfrm>
-            <a:off x="1364372" y="1828801"/>
-            <a:ext cx="5619465" cy="461665"/>
+            <a:off x="1364372" y="1413302"/>
+            <a:ext cx="5619465" cy="2215991"/>
           </a:xfrm>
           <a:prstGeom prst="rect">
             <a:avLst/>
@@ -6047,6 +6097,41 @@
               <a:rPr lang="en-US" sz="2400" dirty="0"/>
               <a:t>Overall conclusions?</a:t>
             </a:r>
+          </a:p>
+          <a:p>
+            <a:endParaRPr lang="en-US" sz="2400" dirty="0"/>
+          </a:p>
+          <a:p>
+            <a:r>
+              <a:rPr lang="en-US" sz="2400" dirty="0"/>
+              <a:t>-   Established, longstanding companies</a:t>
+            </a:r>
+          </a:p>
+          <a:p>
+            <a:pPr marL="285750" indent="-285750">
+              <a:buFontTx/>
+              <a:buChar char="-"/>
+            </a:pPr>
+            <a:r>
+              <a:rPr lang="en-US" sz="2400" dirty="0"/>
+              <a:t>High brand recognition/value</a:t>
+            </a:r>
+          </a:p>
+          <a:p>
+            <a:pPr marL="285750" indent="-285750">
+              <a:buFontTx/>
+              <a:buChar char="-"/>
+            </a:pPr>
+            <a:r>
+              <a:rPr lang="en-US" sz="2400" dirty="0"/>
+              <a:t>Would investigate this further</a:t>
+            </a:r>
+          </a:p>
+          <a:p>
+            <a:pPr marL="285750" indent="-285750">
+              <a:buFontTx/>
+              <a:buChar char="-"/>
+            </a:pPr>
             <a:endParaRPr lang="en-US" dirty="0"/>
           </a:p>
         </p:txBody>
@@ -6065,7 +6150,7 @@
         </p:nvSpPr>
         <p:spPr>
           <a:xfrm>
-            <a:off x="1364372" y="4810500"/>
+            <a:off x="1364372" y="5031123"/>
             <a:ext cx="8599898" cy="461665"/>
           </a:xfrm>
           <a:prstGeom prst="rect">
@@ -6101,7 +6186,7 @@
         </p:nvSpPr>
         <p:spPr>
           <a:xfrm>
-            <a:off x="1364372" y="3450106"/>
+            <a:off x="1364372" y="3911769"/>
             <a:ext cx="8599898" cy="461665"/>
           </a:xfrm>
           <a:prstGeom prst="rect">

--- a/Presentation1.pptx
+++ b/Presentation1.pptx
@@ -5,15 +5,16 @@
     <p:sldMasterId id="2147483648" r:id="rId1"/>
   </p:sldMasterIdLst>
   <p:notesMasterIdLst>
-    <p:notesMasterId r:id="rId8"/>
+    <p:notesMasterId r:id="rId9"/>
   </p:notesMasterIdLst>
   <p:sldIdLst>
     <p:sldId id="256" r:id="rId2"/>
     <p:sldId id="257" r:id="rId3"/>
     <p:sldId id="258" r:id="rId4"/>
-    <p:sldId id="259" r:id="rId5"/>
-    <p:sldId id="260" r:id="rId6"/>
-    <p:sldId id="261" r:id="rId7"/>
+    <p:sldId id="262" r:id="rId5"/>
+    <p:sldId id="259" r:id="rId6"/>
+    <p:sldId id="260" r:id="rId7"/>
+    <p:sldId id="261" r:id="rId8"/>
   </p:sldIdLst>
   <p:sldSz cx="12192000" cy="6858000"/>
   <p:notesSz cx="6858000" cy="9144000"/>
@@ -124,13 +125,176 @@
 <pc:chgInfo xmlns:a="http://schemas.openxmlformats.org/drawingml/2006/main" xmlns:r="http://schemas.openxmlformats.org/officeDocument/2006/relationships" xmlns:ac="http://schemas.microsoft.com/office/drawing/2013/main/command" xmlns:pc="http://schemas.microsoft.com/office/powerpoint/2013/main/command">
   <pc:docChgLst>
     <pc:chgData name="Gavin Payne" userId="a7059ab5374b9f55" providerId="LiveId" clId="{2E9C0B7F-F1C5-A141-8F12-51876334AF57}"/>
-    <pc:docChg chg="custSel modSld">
-      <pc:chgData name="Gavin Payne" userId="a7059ab5374b9f55" providerId="LiveId" clId="{2E9C0B7F-F1C5-A141-8F12-51876334AF57}" dt="2023-01-13T01:10:14.111" v="130" actId="1076"/>
+    <pc:docChg chg="undo custSel addSld modSld">
+      <pc:chgData name="Gavin Payne" userId="a7059ab5374b9f55" providerId="LiveId" clId="{2E9C0B7F-F1C5-A141-8F12-51876334AF57}" dt="2023-01-14T00:51:40.720" v="304" actId="20577"/>
       <pc:docMkLst>
         <pc:docMk/>
       </pc:docMkLst>
+      <pc:sldChg chg="addSp delSp modSp mod">
+        <pc:chgData name="Gavin Payne" userId="a7059ab5374b9f55" providerId="LiveId" clId="{2E9C0B7F-F1C5-A141-8F12-51876334AF57}" dt="2023-01-14T00:51:40.720" v="304" actId="20577"/>
+        <pc:sldMkLst>
+          <pc:docMk/>
+          <pc:sldMk cId="3097526141" sldId="256"/>
+        </pc:sldMkLst>
+        <pc:spChg chg="del mod">
+          <ac:chgData name="Gavin Payne" userId="a7059ab5374b9f55" providerId="LiveId" clId="{2E9C0B7F-F1C5-A141-8F12-51876334AF57}" dt="2023-01-13T23:42:16.270" v="274" actId="478"/>
+          <ac:spMkLst>
+            <pc:docMk/>
+            <pc:sldMk cId="3097526141" sldId="256"/>
+            <ac:spMk id="7" creationId="{C03D4430-FD30-8102-9D90-AD9C27C368E2}"/>
+          </ac:spMkLst>
+        </pc:spChg>
+        <pc:spChg chg="mod">
+          <ac:chgData name="Gavin Payne" userId="a7059ab5374b9f55" providerId="LiveId" clId="{2E9C0B7F-F1C5-A141-8F12-51876334AF57}" dt="2023-01-14T00:51:40.720" v="304" actId="20577"/>
+          <ac:spMkLst>
+            <pc:docMk/>
+            <pc:sldMk cId="3097526141" sldId="256"/>
+            <ac:spMk id="8" creationId="{E0F53A18-9EB0-CA52-4351-3AD70A2F2A23}"/>
+          </ac:spMkLst>
+        </pc:spChg>
+        <pc:picChg chg="add del mod">
+          <ac:chgData name="Gavin Payne" userId="a7059ab5374b9f55" providerId="LiveId" clId="{2E9C0B7F-F1C5-A141-8F12-51876334AF57}" dt="2023-01-13T23:45:17.398" v="296" actId="478"/>
+          <ac:picMkLst>
+            <pc:docMk/>
+            <pc:sldMk cId="3097526141" sldId="256"/>
+            <ac:picMk id="3" creationId="{CB1E981D-F032-29E6-F9F6-813B1E213EAB}"/>
+          </ac:picMkLst>
+        </pc:picChg>
+        <pc:picChg chg="add mod">
+          <ac:chgData name="Gavin Payne" userId="a7059ab5374b9f55" providerId="LiveId" clId="{2E9C0B7F-F1C5-A141-8F12-51876334AF57}" dt="2023-01-13T23:45:39.672" v="300" actId="1076"/>
+          <ac:picMkLst>
+            <pc:docMk/>
+            <pc:sldMk cId="3097526141" sldId="256"/>
+            <ac:picMk id="5" creationId="{D055C668-051D-2FC0-5DAC-399A001A22E3}"/>
+          </ac:picMkLst>
+        </pc:picChg>
+      </pc:sldChg>
       <pc:sldChg chg="modSp mod">
-        <pc:chgData name="Gavin Payne" userId="a7059ab5374b9f55" providerId="LiveId" clId="{2E9C0B7F-F1C5-A141-8F12-51876334AF57}" dt="2023-01-13T01:10:14.111" v="130" actId="1076"/>
+        <pc:chgData name="Gavin Payne" userId="a7059ab5374b9f55" providerId="LiveId" clId="{2E9C0B7F-F1C5-A141-8F12-51876334AF57}" dt="2023-01-13T05:30:06.569" v="217" actId="207"/>
+        <pc:sldMkLst>
+          <pc:docMk/>
+          <pc:sldMk cId="3573855860" sldId="257"/>
+        </pc:sldMkLst>
+        <pc:spChg chg="mod">
+          <ac:chgData name="Gavin Payne" userId="a7059ab5374b9f55" providerId="LiveId" clId="{2E9C0B7F-F1C5-A141-8F12-51876334AF57}" dt="2023-01-13T05:30:06.569" v="217" actId="207"/>
+          <ac:spMkLst>
+            <pc:docMk/>
+            <pc:sldMk cId="3573855860" sldId="257"/>
+            <ac:spMk id="5" creationId="{3FE0129D-D179-4FFC-834F-BACE700F5BF8}"/>
+          </ac:spMkLst>
+        </pc:spChg>
+      </pc:sldChg>
+      <pc:sldChg chg="addSp delSp modSp mod">
+        <pc:chgData name="Gavin Payne" userId="a7059ab5374b9f55" providerId="LiveId" clId="{2E9C0B7F-F1C5-A141-8F12-51876334AF57}" dt="2023-01-13T06:12:08.705" v="259" actId="1076"/>
+        <pc:sldMkLst>
+          <pc:docMk/>
+          <pc:sldMk cId="3959464855" sldId="258"/>
+        </pc:sldMkLst>
+        <pc:spChg chg="mod">
+          <ac:chgData name="Gavin Payne" userId="a7059ab5374b9f55" providerId="LiveId" clId="{2E9C0B7F-F1C5-A141-8F12-51876334AF57}" dt="2023-01-13T05:31:15.361" v="231" actId="255"/>
+          <ac:spMkLst>
+            <pc:docMk/>
+            <pc:sldMk cId="3959464855" sldId="258"/>
+            <ac:spMk id="5" creationId="{3FE0129D-D179-4FFC-834F-BACE700F5BF8}"/>
+          </ac:spMkLst>
+        </pc:spChg>
+        <pc:spChg chg="del">
+          <ac:chgData name="Gavin Payne" userId="a7059ab5374b9f55" providerId="LiveId" clId="{2E9C0B7F-F1C5-A141-8F12-51876334AF57}" dt="2023-01-13T06:09:48.275" v="236" actId="478"/>
+          <ac:spMkLst>
+            <pc:docMk/>
+            <pc:sldMk cId="3959464855" sldId="258"/>
+            <ac:spMk id="6" creationId="{EC6300F2-8788-CBBF-C8C6-29C0EBA395F6}"/>
+          </ac:spMkLst>
+        </pc:spChg>
+        <pc:spChg chg="del mod">
+          <ac:chgData name="Gavin Payne" userId="a7059ab5374b9f55" providerId="LiveId" clId="{2E9C0B7F-F1C5-A141-8F12-51876334AF57}" dt="2023-01-13T06:09:49.617" v="237" actId="478"/>
+          <ac:spMkLst>
+            <pc:docMk/>
+            <pc:sldMk cId="3959464855" sldId="258"/>
+            <ac:spMk id="7" creationId="{B8C2AFE6-E279-FF55-E57D-A8D5108BDC87}"/>
+          </ac:spMkLst>
+        </pc:spChg>
+        <pc:spChg chg="del">
+          <ac:chgData name="Gavin Payne" userId="a7059ab5374b9f55" providerId="LiveId" clId="{2E9C0B7F-F1C5-A141-8F12-51876334AF57}" dt="2023-01-13T06:09:45.656" v="234" actId="478"/>
+          <ac:spMkLst>
+            <pc:docMk/>
+            <pc:sldMk cId="3959464855" sldId="258"/>
+            <ac:spMk id="8" creationId="{7A2C3EA7-A6DA-D1A1-065E-9934CE1AFB32}"/>
+          </ac:spMkLst>
+        </pc:spChg>
+        <pc:spChg chg="del">
+          <ac:chgData name="Gavin Payne" userId="a7059ab5374b9f55" providerId="LiveId" clId="{2E9C0B7F-F1C5-A141-8F12-51876334AF57}" dt="2023-01-13T06:09:46.971" v="235" actId="478"/>
+          <ac:spMkLst>
+            <pc:docMk/>
+            <pc:sldMk cId="3959464855" sldId="258"/>
+            <ac:spMk id="9" creationId="{A008C1DD-2789-17C5-F0E2-7122AFC857D5}"/>
+          </ac:spMkLst>
+        </pc:spChg>
+        <pc:picChg chg="add del mod">
+          <ac:chgData name="Gavin Payne" userId="a7059ab5374b9f55" providerId="LiveId" clId="{2E9C0B7F-F1C5-A141-8F12-51876334AF57}" dt="2023-01-13T04:54:50.290" v="214" actId="478"/>
+          <ac:picMkLst>
+            <pc:docMk/>
+            <pc:sldMk cId="3959464855" sldId="258"/>
+            <ac:picMk id="3" creationId="{98BF8038-9474-FE0A-42B7-F322247499C6}"/>
+          </ac:picMkLst>
+        </pc:picChg>
+        <pc:picChg chg="add del mod">
+          <ac:chgData name="Gavin Payne" userId="a7059ab5374b9f55" providerId="LiveId" clId="{2E9C0B7F-F1C5-A141-8F12-51876334AF57}" dt="2023-01-13T04:54:43.349" v="213" actId="478"/>
+          <ac:picMkLst>
+            <pc:docMk/>
+            <pc:sldMk cId="3959464855" sldId="258"/>
+            <ac:picMk id="4" creationId="{EE4A63E4-2C3B-32FB-9B29-13A1E0AD08E9}"/>
+          </ac:picMkLst>
+        </pc:picChg>
+        <pc:picChg chg="add del mod">
+          <ac:chgData name="Gavin Payne" userId="a7059ab5374b9f55" providerId="LiveId" clId="{2E9C0B7F-F1C5-A141-8F12-51876334AF57}" dt="2023-01-13T06:10:40.219" v="248" actId="478"/>
+          <ac:picMkLst>
+            <pc:docMk/>
+            <pc:sldMk cId="3959464855" sldId="258"/>
+            <ac:picMk id="11" creationId="{0EC749BF-D2D9-7537-5E3F-87D6D2317431}"/>
+          </ac:picMkLst>
+        </pc:picChg>
+        <pc:picChg chg="add mod">
+          <ac:chgData name="Gavin Payne" userId="a7059ab5374b9f55" providerId="LiveId" clId="{2E9C0B7F-F1C5-A141-8F12-51876334AF57}" dt="2023-01-13T06:12:08.705" v="259" actId="1076"/>
+          <ac:picMkLst>
+            <pc:docMk/>
+            <pc:sldMk cId="3959464855" sldId="258"/>
+            <ac:picMk id="13" creationId="{7FEC70F2-621F-FE83-2126-8845618F2852}"/>
+          </ac:picMkLst>
+        </pc:picChg>
+      </pc:sldChg>
+      <pc:sldChg chg="modSp mod">
+        <pc:chgData name="Gavin Payne" userId="a7059ab5374b9f55" providerId="LiveId" clId="{2E9C0B7F-F1C5-A141-8F12-51876334AF57}" dt="2023-01-13T05:30:43.840" v="223" actId="1076"/>
+        <pc:sldMkLst>
+          <pc:docMk/>
+          <pc:sldMk cId="501794216" sldId="259"/>
+        </pc:sldMkLst>
+        <pc:spChg chg="mod">
+          <ac:chgData name="Gavin Payne" userId="a7059ab5374b9f55" providerId="LiveId" clId="{2E9C0B7F-F1C5-A141-8F12-51876334AF57}" dt="2023-01-13T05:30:43.840" v="223" actId="1076"/>
+          <ac:spMkLst>
+            <pc:docMk/>
+            <pc:sldMk cId="501794216" sldId="259"/>
+            <ac:spMk id="5" creationId="{3FE0129D-D179-4FFC-834F-BACE700F5BF8}"/>
+          </ac:spMkLst>
+        </pc:spChg>
+      </pc:sldChg>
+      <pc:sldChg chg="modSp mod">
+        <pc:chgData name="Gavin Payne" userId="a7059ab5374b9f55" providerId="LiveId" clId="{2E9C0B7F-F1C5-A141-8F12-51876334AF57}" dt="2023-01-13T05:30:54.892" v="226" actId="403"/>
+        <pc:sldMkLst>
+          <pc:docMk/>
+          <pc:sldMk cId="684092711" sldId="260"/>
+        </pc:sldMkLst>
+        <pc:spChg chg="mod">
+          <ac:chgData name="Gavin Payne" userId="a7059ab5374b9f55" providerId="LiveId" clId="{2E9C0B7F-F1C5-A141-8F12-51876334AF57}" dt="2023-01-13T05:30:54.892" v="226" actId="403"/>
+          <ac:spMkLst>
+            <pc:docMk/>
+            <pc:sldMk cId="684092711" sldId="260"/>
+            <ac:spMk id="5" creationId="{3FE0129D-D179-4FFC-834F-BACE700F5BF8}"/>
+          </ac:spMkLst>
+        </pc:spChg>
+      </pc:sldChg>
+      <pc:sldChg chg="modSp mod">
+        <pc:chgData name="Gavin Payne" userId="a7059ab5374b9f55" providerId="LiveId" clId="{2E9C0B7F-F1C5-A141-8F12-51876334AF57}" dt="2023-01-13T05:31:05.700" v="230" actId="207"/>
         <pc:sldMkLst>
           <pc:docMk/>
           <pc:sldMk cId="3102486394" sldId="261"/>
@@ -152,6 +316,14 @@
           </ac:spMkLst>
         </pc:spChg>
         <pc:spChg chg="mod">
+          <ac:chgData name="Gavin Payne" userId="a7059ab5374b9f55" providerId="LiveId" clId="{2E9C0B7F-F1C5-A141-8F12-51876334AF57}" dt="2023-01-13T05:31:05.700" v="230" actId="207"/>
+          <ac:spMkLst>
+            <pc:docMk/>
+            <pc:sldMk cId="3102486394" sldId="261"/>
+            <ac:spMk id="5" creationId="{3FE0129D-D179-4FFC-834F-BACE700F5BF8}"/>
+          </ac:spMkLst>
+        </pc:spChg>
+        <pc:spChg chg="mod">
           <ac:chgData name="Gavin Payne" userId="a7059ab5374b9f55" providerId="LiveId" clId="{2E9C0B7F-F1C5-A141-8F12-51876334AF57}" dt="2023-01-13T01:10:11.053" v="129" actId="1076"/>
           <ac:spMkLst>
             <pc:docMk/>
@@ -159,6 +331,37 @@
             <ac:spMk id="7" creationId="{B8C2AFE6-E279-FF55-E57D-A8D5108BDC87}"/>
           </ac:spMkLst>
         </pc:spChg>
+      </pc:sldChg>
+      <pc:sldChg chg="addSp delSp modSp new mod">
+        <pc:chgData name="Gavin Payne" userId="a7059ab5374b9f55" providerId="LiveId" clId="{2E9C0B7F-F1C5-A141-8F12-51876334AF57}" dt="2023-01-13T06:13:39.958" v="266" actId="478"/>
+        <pc:sldMkLst>
+          <pc:docMk/>
+          <pc:sldMk cId="2382265825" sldId="262"/>
+        </pc:sldMkLst>
+        <pc:spChg chg="del">
+          <ac:chgData name="Gavin Payne" userId="a7059ab5374b9f55" providerId="LiveId" clId="{2E9C0B7F-F1C5-A141-8F12-51876334AF57}" dt="2023-01-13T06:11:54.183" v="257" actId="478"/>
+          <ac:spMkLst>
+            <pc:docMk/>
+            <pc:sldMk cId="2382265825" sldId="262"/>
+            <ac:spMk id="2" creationId="{471719D2-0E34-1E6F-C47E-7FF15D22609A}"/>
+          </ac:spMkLst>
+        </pc:spChg>
+        <pc:spChg chg="del">
+          <ac:chgData name="Gavin Payne" userId="a7059ab5374b9f55" providerId="LiveId" clId="{2E9C0B7F-F1C5-A141-8F12-51876334AF57}" dt="2023-01-13T06:11:53.357" v="256" actId="478"/>
+          <ac:spMkLst>
+            <pc:docMk/>
+            <pc:sldMk cId="2382265825" sldId="262"/>
+            <ac:spMk id="3" creationId="{191E3F2B-84DB-11A4-083E-2853EA6740D8}"/>
+          </ac:spMkLst>
+        </pc:spChg>
+        <pc:picChg chg="add del mod">
+          <ac:chgData name="Gavin Payne" userId="a7059ab5374b9f55" providerId="LiveId" clId="{2E9C0B7F-F1C5-A141-8F12-51876334AF57}" dt="2023-01-13T06:13:39.958" v="266" actId="478"/>
+          <ac:picMkLst>
+            <pc:docMk/>
+            <pc:sldMk cId="2382265825" sldId="262"/>
+            <ac:picMk id="5" creationId="{FB7217C4-8C41-D9F3-57BD-C11D43CF8525}"/>
+          </ac:picMkLst>
+        </pc:picChg>
       </pc:sldChg>
     </pc:docChg>
   </pc:docChgLst>
@@ -614,27 +817,11 @@
           <a:p>
             <a:r>
               <a:rPr lang="en-US" b="1" dirty="0"/>
-              <a:t>Questions</a:t>
-            </a:r>
-            <a:r>
-              <a:rPr lang="en-US" b="1"/>
-              <a:t>: </a:t>
-            </a:r>
-            <a:r>
-              <a:rPr lang="en-US" b="0"/>
-              <a:t>State </a:t>
+              <a:t>Questions: </a:t>
             </a:r>
             <a:r>
               <a:rPr lang="en-US" b="0" dirty="0"/>
-              <a:t>a</a:t>
-            </a:r>
-            <a:r>
-              <a:rPr lang="en-US" b="0"/>
-              <a:t>s </a:t>
-            </a:r>
-            <a:r>
-              <a:rPr lang="en-US" b="0" dirty="0"/>
-              <a:t>above.</a:t>
+              <a:t>State as above.</a:t>
             </a:r>
             <a:endParaRPr lang="en-US" b="1" dirty="0"/>
           </a:p>
@@ -1372,7 +1559,7 @@
           <a:p>
             <a:fld id="{79665B4F-CFD9-9646-8FE1-0E4B54158734}" type="slidenum">
               <a:rPr lang="en-US" smtClean="0"/>
-              <a:t>4</a:t>
+              <a:t>5</a:t>
             </a:fld>
             <a:endParaRPr lang="en-US"/>
           </a:p>
@@ -1567,7 +1754,7 @@
           <a:p>
             <a:fld id="{79665B4F-CFD9-9646-8FE1-0E4B54158734}" type="slidenum">
               <a:rPr lang="en-US" smtClean="0"/>
-              <a:t>5</a:t>
+              <a:t>6</a:t>
             </a:fld>
             <a:endParaRPr lang="en-US"/>
           </a:p>
@@ -1668,7 +1855,7 @@
           <a:p>
             <a:fld id="{79665B4F-CFD9-9646-8FE1-0E4B54158734}" type="slidenum">
               <a:rPr lang="en-US" smtClean="0"/>
-              <a:t>6</a:t>
+              <a:t>7</a:t>
             </a:fld>
             <a:endParaRPr lang="en-US"/>
           </a:p>
@@ -4924,10 +5111,10 @@
       </p:grpSpPr>
       <p:sp>
         <p:nvSpPr>
-          <p:cNvPr id="7" name="TextBox 6">
-            <a:extLst>
-              <a:ext uri="{FF2B5EF4-FFF2-40B4-BE49-F238E27FC236}">
-                <a16:creationId xmlns:a16="http://schemas.microsoft.com/office/drawing/2014/main" id="{C03D4430-FD30-8102-9D90-AD9C27C368E2}"/>
+          <p:cNvPr id="8" name="TextBox 7">
+            <a:extLst>
+              <a:ext uri="{FF2B5EF4-FFF2-40B4-BE49-F238E27FC236}">
+                <a16:creationId xmlns:a16="http://schemas.microsoft.com/office/drawing/2014/main" id="{E0F53A18-9EB0-CA52-4351-3AD70A2F2A23}"/>
               </a:ext>
             </a:extLst>
           </p:cNvPr>
@@ -4936,8 +5123,8 @@
         </p:nvSpPr>
         <p:spPr>
           <a:xfrm>
-            <a:off x="1337480" y="777921"/>
-            <a:ext cx="7588156" cy="830997"/>
+            <a:off x="1076223" y="439502"/>
+            <a:ext cx="11321616" cy="1938992"/>
           </a:xfrm>
           <a:prstGeom prst="rect">
             <a:avLst/>
@@ -4951,74 +5138,66 @@
           <a:lstStyle/>
           <a:p>
             <a:r>
-              <a:rPr lang="en-US" sz="2400" dirty="0"/>
-              <a:t>1. Forbes 2022 Ranking (starting point): what is it? How is it formulated? Why are we interested?</a:t>
-            </a:r>
-          </a:p>
-        </p:txBody>
-      </p:sp>
-      <p:sp>
-        <p:nvSpPr>
-          <p:cNvPr id="8" name="TextBox 7">
-            <a:extLst>
-              <a:ext uri="{FF2B5EF4-FFF2-40B4-BE49-F238E27FC236}">
-                <a16:creationId xmlns:a16="http://schemas.microsoft.com/office/drawing/2014/main" id="{E0F53A18-9EB0-CA52-4351-3AD70A2F2A23}"/>
-              </a:ext>
-            </a:extLst>
-          </p:cNvPr>
-          <p:cNvSpPr txBox="1"/>
+              <a:rPr lang="en-US" sz="2000" dirty="0"/>
+              <a:t>Our research questions:</a:t>
+            </a:r>
+          </a:p>
+          <a:p>
+            <a:r>
+              <a:rPr lang="en-US" sz="2000" dirty="0"/>
+              <a:t>	a) What are the attributes of good employers?</a:t>
+            </a:r>
+          </a:p>
+          <a:p>
+            <a:endParaRPr lang="en-US" sz="2000" dirty="0"/>
+          </a:p>
+          <a:p>
+            <a:r>
+              <a:rPr lang="en-US" sz="2000" dirty="0"/>
+              <a:t>	b)  Are good employers good companies?</a:t>
+            </a:r>
+          </a:p>
+          <a:p>
+            <a:endParaRPr lang="en-US" sz="2000" dirty="0"/>
+          </a:p>
+          <a:p>
+            <a:r>
+              <a:rPr lang="en-US" sz="2000" dirty="0"/>
+              <a:t>	c) Are there any other factors that may contribute? </a:t>
+            </a:r>
+          </a:p>
+        </p:txBody>
+      </p:sp>
+      <p:pic>
+        <p:nvPicPr>
+          <p:cNvPr id="5" name="Picture 4">
+            <a:extLst>
+              <a:ext uri="{FF2B5EF4-FFF2-40B4-BE49-F238E27FC236}">
+                <a16:creationId xmlns:a16="http://schemas.microsoft.com/office/drawing/2014/main" id="{D055C668-051D-2FC0-5DAC-399A001A22E3}"/>
+              </a:ext>
+            </a:extLst>
+          </p:cNvPr>
+          <p:cNvPicPr>
+            <a:picLocks noChangeAspect="1"/>
+          </p:cNvPicPr>
           <p:nvPr/>
-        </p:nvSpPr>
+        </p:nvPicPr>
+        <p:blipFill>
+          <a:blip r:embed="rId3"/>
+          <a:stretch>
+            <a:fillRect/>
+          </a:stretch>
+        </p:blipFill>
         <p:spPr>
           <a:xfrm>
-            <a:off x="1337480" y="2090172"/>
-            <a:ext cx="9949219" cy="2677656"/>
+            <a:off x="280576" y="2850642"/>
+            <a:ext cx="10495446" cy="3567856"/>
           </a:xfrm>
           <a:prstGeom prst="rect">
             <a:avLst/>
           </a:prstGeom>
-          <a:noFill/>
         </p:spPr>
-        <p:txBody>
-          <a:bodyPr wrap="square" rtlCol="0">
-            <a:spAutoFit/>
-          </a:bodyPr>
-          <a:lstStyle/>
-          <a:p>
-            <a:r>
-              <a:rPr lang="en-US" sz="2400" dirty="0"/>
-              <a:t>2. Our research questions:</a:t>
-            </a:r>
-          </a:p>
-          <a:p>
-            <a:endParaRPr lang="en-US" sz="2400" dirty="0"/>
-          </a:p>
-          <a:p>
-            <a:r>
-              <a:rPr lang="en-US" sz="2400" dirty="0"/>
-              <a:t>	- a) What are the attributes of good employers?</a:t>
-            </a:r>
-          </a:p>
-          <a:p>
-            <a:endParaRPr lang="en-US" sz="2400" dirty="0"/>
-          </a:p>
-          <a:p>
-            <a:r>
-              <a:rPr lang="en-US" sz="2400" dirty="0"/>
-              <a:t>	- b)  Are good employers good companies?</a:t>
-            </a:r>
-          </a:p>
-          <a:p>
-            <a:endParaRPr lang="en-US" sz="2400" dirty="0"/>
-          </a:p>
-          <a:p>
-            <a:r>
-              <a:rPr lang="en-US" sz="2400" dirty="0"/>
-              <a:t>	- c) Are there any other factors that may contribute? </a:t>
-            </a:r>
-          </a:p>
-        </p:txBody>
-      </p:sp>
+      </p:pic>
     </p:spTree>
     <p:extLst>
       <p:ext uri="{BB962C8B-B14F-4D97-AF65-F5344CB8AC3E}">
@@ -5063,8 +5242,8 @@
         </p:nvSpPr>
         <p:spPr>
           <a:xfrm>
-            <a:off x="508380" y="299829"/>
-            <a:ext cx="6093724" cy="369332"/>
+            <a:off x="523878" y="423816"/>
+            <a:ext cx="6093724" cy="400110"/>
           </a:xfrm>
           <a:prstGeom prst="rect">
             <a:avLst/>
@@ -5078,7 +5257,13 @@
           <a:lstStyle/>
           <a:p>
             <a:r>
-              <a:rPr lang="en-US" sz="1800" dirty="0"/>
+              <a:rPr lang="en-US" sz="2000" dirty="0">
+                <a:solidFill>
+                  <a:schemeClr val="bg1">
+                    <a:lumMod val="50000"/>
+                  </a:schemeClr>
+                </a:solidFill>
+              </a:rPr>
               <a:t>Approach part one: Forbes data + Glassdoor</a:t>
             </a:r>
           </a:p>
@@ -5314,8 +5499,8 @@
         </p:nvSpPr>
         <p:spPr>
           <a:xfrm>
-            <a:off x="508380" y="299829"/>
-            <a:ext cx="6093724" cy="369332"/>
+            <a:off x="523879" y="377321"/>
+            <a:ext cx="6093724" cy="400110"/>
           </a:xfrm>
           <a:prstGeom prst="rect">
             <a:avLst/>
@@ -5329,191 +5514,48 @@
           <a:lstStyle/>
           <a:p>
             <a:r>
-              <a:rPr lang="en-US" sz="1800" dirty="0"/>
-              <a:t>Approach part </a:t>
-            </a:r>
-            <a:r>
-              <a:rPr lang="en-US" dirty="0"/>
-              <a:t>two a)</a:t>
-            </a:r>
-            <a:r>
-              <a:rPr lang="en-US" sz="1800" dirty="0"/>
-              <a:t>: Yahoo Finance library </a:t>
-            </a:r>
-          </a:p>
-        </p:txBody>
-      </p:sp>
-      <p:sp>
-        <p:nvSpPr>
-          <p:cNvPr id="6" name="TextBox 5">
-            <a:extLst>
-              <a:ext uri="{FF2B5EF4-FFF2-40B4-BE49-F238E27FC236}">
-                <a16:creationId xmlns:a16="http://schemas.microsoft.com/office/drawing/2014/main" id="{EC6300F2-8788-CBBF-C8C6-29C0EBA395F6}"/>
-              </a:ext>
-            </a:extLst>
-          </p:cNvPr>
-          <p:cNvSpPr txBox="1"/>
+              <a:rPr lang="en-US" sz="2000" dirty="0">
+                <a:solidFill>
+                  <a:schemeClr val="bg1">
+                    <a:lumMod val="50000"/>
+                  </a:schemeClr>
+                </a:solidFill>
+              </a:rPr>
+              <a:t>Approach part two a): Yahoo Finance library </a:t>
+            </a:r>
+          </a:p>
+        </p:txBody>
+      </p:sp>
+      <p:pic>
+        <p:nvPicPr>
+          <p:cNvPr id="13" name="Picture 12">
+            <a:extLst>
+              <a:ext uri="{FF2B5EF4-FFF2-40B4-BE49-F238E27FC236}">
+                <a16:creationId xmlns:a16="http://schemas.microsoft.com/office/drawing/2014/main" id="{7FEC70F2-621F-FE83-2126-8845618F2852}"/>
+              </a:ext>
+            </a:extLst>
+          </p:cNvPr>
+          <p:cNvPicPr>
+            <a:picLocks noChangeAspect="1"/>
+          </p:cNvPicPr>
           <p:nvPr/>
-        </p:nvSpPr>
+        </p:nvPicPr>
+        <p:blipFill>
+          <a:blip r:embed="rId3"/>
+          <a:stretch>
+            <a:fillRect/>
+          </a:stretch>
+        </p:blipFill>
         <p:spPr>
           <a:xfrm>
-            <a:off x="1176114" y="2818936"/>
-            <a:ext cx="5619465" cy="1631216"/>
+            <a:off x="620590" y="926275"/>
+            <a:ext cx="10950820" cy="5725364"/>
           </a:xfrm>
           <a:prstGeom prst="rect">
             <a:avLst/>
           </a:prstGeom>
-          <a:noFill/>
         </p:spPr>
-        <p:txBody>
-          <a:bodyPr wrap="square" rtlCol="0">
-            <a:spAutoFit/>
-          </a:bodyPr>
-          <a:lstStyle/>
-          <a:p>
-            <a:r>
-              <a:rPr lang="en-US" dirty="0"/>
-              <a:t>Financial</a:t>
-            </a:r>
-            <a:r>
-              <a:rPr lang="en-US" sz="2000" dirty="0"/>
-              <a:t> Analysis:</a:t>
-            </a:r>
-          </a:p>
-          <a:p>
-            <a:r>
-              <a:rPr lang="en-US" sz="2000" dirty="0"/>
-              <a:t>	Yahoo Finance wrapper</a:t>
-            </a:r>
-          </a:p>
-          <a:p>
-            <a:r>
-              <a:rPr lang="en-US" sz="2000" dirty="0"/>
-              <a:t>	financial measures selected</a:t>
-            </a:r>
-          </a:p>
-          <a:p>
-            <a:r>
-              <a:rPr lang="en-US" sz="2000" dirty="0"/>
-              <a:t>	data cleaning</a:t>
-            </a:r>
-          </a:p>
-          <a:p>
-            <a:r>
-              <a:rPr lang="en-US" sz="2000" dirty="0"/>
-              <a:t>	results</a:t>
-            </a:r>
-          </a:p>
-        </p:txBody>
-      </p:sp>
-      <p:sp>
-        <p:nvSpPr>
-          <p:cNvPr id="7" name="TextBox 6">
-            <a:extLst>
-              <a:ext uri="{FF2B5EF4-FFF2-40B4-BE49-F238E27FC236}">
-                <a16:creationId xmlns:a16="http://schemas.microsoft.com/office/drawing/2014/main" id="{B8C2AFE6-E279-FF55-E57D-A8D5108BDC87}"/>
-              </a:ext>
-            </a:extLst>
-          </p:cNvPr>
-          <p:cNvSpPr txBox="1"/>
-          <p:nvPr/>
-        </p:nvSpPr>
-        <p:spPr>
-          <a:xfrm>
-            <a:off x="1176114" y="4614147"/>
-            <a:ext cx="5619465" cy="461665"/>
-          </a:xfrm>
-          <a:prstGeom prst="rect">
-            <a:avLst/>
-          </a:prstGeom>
-          <a:noFill/>
-        </p:spPr>
-        <p:txBody>
-          <a:bodyPr wrap="square" rtlCol="0">
-            <a:spAutoFit/>
-          </a:bodyPr>
-          <a:lstStyle/>
-          <a:p>
-            <a:r>
-              <a:rPr lang="en-US" sz="2400" dirty="0"/>
-              <a:t>conclusions?</a:t>
-            </a:r>
-            <a:endParaRPr lang="en-US" dirty="0"/>
-          </a:p>
-        </p:txBody>
-      </p:sp>
-      <p:sp>
-        <p:nvSpPr>
-          <p:cNvPr id="8" name="TextBox 7">
-            <a:extLst>
-              <a:ext uri="{FF2B5EF4-FFF2-40B4-BE49-F238E27FC236}">
-                <a16:creationId xmlns:a16="http://schemas.microsoft.com/office/drawing/2014/main" id="{7A2C3EA7-A6DA-D1A1-065E-9934CE1AFB32}"/>
-              </a:ext>
-            </a:extLst>
-          </p:cNvPr>
-          <p:cNvSpPr txBox="1"/>
-          <p:nvPr/>
-        </p:nvSpPr>
-        <p:spPr>
-          <a:xfrm>
-            <a:off x="4375513" y="1447336"/>
-            <a:ext cx="6220769" cy="461665"/>
-          </a:xfrm>
-          <a:prstGeom prst="rect">
-            <a:avLst/>
-          </a:prstGeom>
-          <a:noFill/>
-        </p:spPr>
-        <p:txBody>
-          <a:bodyPr wrap="square" rtlCol="0">
-            <a:spAutoFit/>
-          </a:bodyPr>
-          <a:lstStyle/>
-          <a:p>
-            <a:r>
-              <a:rPr lang="en-US" sz="2400" dirty="0"/>
-              <a:t>*Insert Gavin’s graphs here* </a:t>
-            </a:r>
-            <a:endParaRPr lang="en-US" dirty="0"/>
-          </a:p>
-        </p:txBody>
-      </p:sp>
-      <p:sp>
-        <p:nvSpPr>
-          <p:cNvPr id="9" name="TextBox 8">
-            <a:extLst>
-              <a:ext uri="{FF2B5EF4-FFF2-40B4-BE49-F238E27FC236}">
-                <a16:creationId xmlns:a16="http://schemas.microsoft.com/office/drawing/2014/main" id="{A008C1DD-2789-17C5-F0E2-7122AFC857D5}"/>
-              </a:ext>
-            </a:extLst>
-          </p:cNvPr>
-          <p:cNvSpPr txBox="1"/>
-          <p:nvPr/>
-        </p:nvSpPr>
-        <p:spPr>
-          <a:xfrm>
-            <a:off x="1197790" y="2133136"/>
-            <a:ext cx="6220769" cy="461665"/>
-          </a:xfrm>
-          <a:prstGeom prst="rect">
-            <a:avLst/>
-          </a:prstGeom>
-          <a:noFill/>
-        </p:spPr>
-        <p:txBody>
-          <a:bodyPr wrap="square" rtlCol="0">
-            <a:spAutoFit/>
-          </a:bodyPr>
-          <a:lstStyle/>
-          <a:p>
-            <a:r>
-              <a:rPr lang="en-US" sz="2400" dirty="0"/>
-              <a:t>Discussion:</a:t>
-            </a:r>
-            <a:endParaRPr lang="en-US" dirty="0"/>
-          </a:p>
-        </p:txBody>
-      </p:sp>
+      </p:pic>
     </p:spTree>
     <p:extLst>
       <p:ext uri="{BB962C8B-B14F-4D97-AF65-F5344CB8AC3E}">
@@ -5544,232 +5586,10 @@
           <a:chExt cx="0" cy="0"/>
         </a:xfrm>
       </p:grpSpPr>
-      <p:sp>
-        <p:nvSpPr>
-          <p:cNvPr id="5" name="TextBox 4">
-            <a:extLst>
-              <a:ext uri="{FF2B5EF4-FFF2-40B4-BE49-F238E27FC236}">
-                <a16:creationId xmlns:a16="http://schemas.microsoft.com/office/drawing/2014/main" id="{3FE0129D-D179-4FFC-834F-BACE700F5BF8}"/>
-              </a:ext>
-            </a:extLst>
-          </p:cNvPr>
-          <p:cNvSpPr txBox="1"/>
-          <p:nvPr/>
-        </p:nvSpPr>
-        <p:spPr>
-          <a:xfrm>
-            <a:off x="508380" y="299829"/>
-            <a:ext cx="6093724" cy="369332"/>
-          </a:xfrm>
-          <a:prstGeom prst="rect">
-            <a:avLst/>
-          </a:prstGeom>
-          <a:noFill/>
-        </p:spPr>
-        <p:txBody>
-          <a:bodyPr wrap="square">
-            <a:spAutoFit/>
-          </a:bodyPr>
-          <a:lstStyle/>
-          <a:p>
-            <a:r>
-              <a:rPr lang="en-US" sz="1800" dirty="0"/>
-              <a:t>Approach part </a:t>
-            </a:r>
-            <a:r>
-              <a:rPr lang="en-US" dirty="0"/>
-              <a:t>two b)</a:t>
-            </a:r>
-            <a:r>
-              <a:rPr lang="en-US" sz="1800" dirty="0"/>
-              <a:t>: </a:t>
-            </a:r>
-            <a:r>
-              <a:rPr lang="en-US" dirty="0"/>
-              <a:t>NASDAQ API</a:t>
-            </a:r>
-            <a:r>
-              <a:rPr lang="en-US" sz="1800" dirty="0"/>
-              <a:t> </a:t>
-            </a:r>
-          </a:p>
-        </p:txBody>
-      </p:sp>
-      <p:sp>
-        <p:nvSpPr>
-          <p:cNvPr id="6" name="TextBox 5">
-            <a:extLst>
-              <a:ext uri="{FF2B5EF4-FFF2-40B4-BE49-F238E27FC236}">
-                <a16:creationId xmlns:a16="http://schemas.microsoft.com/office/drawing/2014/main" id="{EC6300F2-8788-CBBF-C8C6-29C0EBA395F6}"/>
-              </a:ext>
-            </a:extLst>
-          </p:cNvPr>
-          <p:cNvSpPr txBox="1"/>
-          <p:nvPr/>
-        </p:nvSpPr>
-        <p:spPr>
-          <a:xfrm>
-            <a:off x="1176114" y="2818936"/>
-            <a:ext cx="5619465" cy="1631216"/>
-          </a:xfrm>
-          <a:prstGeom prst="rect">
-            <a:avLst/>
-          </a:prstGeom>
-          <a:noFill/>
-        </p:spPr>
-        <p:txBody>
-          <a:bodyPr wrap="square" rtlCol="0">
-            <a:spAutoFit/>
-          </a:bodyPr>
-          <a:lstStyle/>
-          <a:p>
-            <a:r>
-              <a:rPr lang="en-US" dirty="0"/>
-              <a:t>Financial</a:t>
-            </a:r>
-            <a:r>
-              <a:rPr lang="en-US" sz="2000" dirty="0"/>
-              <a:t> Analysis:</a:t>
-            </a:r>
-          </a:p>
-          <a:p>
-            <a:r>
-              <a:rPr lang="en-US" sz="2000" dirty="0"/>
-              <a:t>	NASDAQ API wrapper</a:t>
-            </a:r>
-          </a:p>
-          <a:p>
-            <a:r>
-              <a:rPr lang="en-US" sz="2000" dirty="0"/>
-              <a:t>	financial measures selected</a:t>
-            </a:r>
-          </a:p>
-          <a:p>
-            <a:r>
-              <a:rPr lang="en-US" sz="2000" dirty="0"/>
-              <a:t>	data cleaning</a:t>
-            </a:r>
-          </a:p>
-          <a:p>
-            <a:r>
-              <a:rPr lang="en-US" sz="2000" dirty="0"/>
-              <a:t>	results</a:t>
-            </a:r>
-          </a:p>
-        </p:txBody>
-      </p:sp>
-      <p:sp>
-        <p:nvSpPr>
-          <p:cNvPr id="7" name="TextBox 6">
-            <a:extLst>
-              <a:ext uri="{FF2B5EF4-FFF2-40B4-BE49-F238E27FC236}">
-                <a16:creationId xmlns:a16="http://schemas.microsoft.com/office/drawing/2014/main" id="{B8C2AFE6-E279-FF55-E57D-A8D5108BDC87}"/>
-              </a:ext>
-            </a:extLst>
-          </p:cNvPr>
-          <p:cNvSpPr txBox="1"/>
-          <p:nvPr/>
-        </p:nvSpPr>
-        <p:spPr>
-          <a:xfrm>
-            <a:off x="1176114" y="4614147"/>
-            <a:ext cx="5619465" cy="461665"/>
-          </a:xfrm>
-          <a:prstGeom prst="rect">
-            <a:avLst/>
-          </a:prstGeom>
-          <a:noFill/>
-        </p:spPr>
-        <p:txBody>
-          <a:bodyPr wrap="square" rtlCol="0">
-            <a:spAutoFit/>
-          </a:bodyPr>
-          <a:lstStyle/>
-          <a:p>
-            <a:r>
-              <a:rPr lang="en-US" sz="2400" dirty="0"/>
-              <a:t>conclusions?</a:t>
-            </a:r>
-            <a:endParaRPr lang="en-US" dirty="0"/>
-          </a:p>
-        </p:txBody>
-      </p:sp>
-      <p:sp>
-        <p:nvSpPr>
-          <p:cNvPr id="8" name="TextBox 7">
-            <a:extLst>
-              <a:ext uri="{FF2B5EF4-FFF2-40B4-BE49-F238E27FC236}">
-                <a16:creationId xmlns:a16="http://schemas.microsoft.com/office/drawing/2014/main" id="{7A2C3EA7-A6DA-D1A1-065E-9934CE1AFB32}"/>
-              </a:ext>
-            </a:extLst>
-          </p:cNvPr>
-          <p:cNvSpPr txBox="1"/>
-          <p:nvPr/>
-        </p:nvSpPr>
-        <p:spPr>
-          <a:xfrm>
-            <a:off x="4375513" y="1447336"/>
-            <a:ext cx="6220769" cy="461665"/>
-          </a:xfrm>
-          <a:prstGeom prst="rect">
-            <a:avLst/>
-          </a:prstGeom>
-          <a:noFill/>
-        </p:spPr>
-        <p:txBody>
-          <a:bodyPr wrap="square" rtlCol="0">
-            <a:spAutoFit/>
-          </a:bodyPr>
-          <a:lstStyle/>
-          <a:p>
-            <a:r>
-              <a:rPr lang="en-US" sz="2400" dirty="0"/>
-              <a:t>*Insert Javier’s graphs here* </a:t>
-            </a:r>
-            <a:endParaRPr lang="en-US" dirty="0"/>
-          </a:p>
-        </p:txBody>
-      </p:sp>
-      <p:sp>
-        <p:nvSpPr>
-          <p:cNvPr id="9" name="TextBox 8">
-            <a:extLst>
-              <a:ext uri="{FF2B5EF4-FFF2-40B4-BE49-F238E27FC236}">
-                <a16:creationId xmlns:a16="http://schemas.microsoft.com/office/drawing/2014/main" id="{A008C1DD-2789-17C5-F0E2-7122AFC857D5}"/>
-              </a:ext>
-            </a:extLst>
-          </p:cNvPr>
-          <p:cNvSpPr txBox="1"/>
-          <p:nvPr/>
-        </p:nvSpPr>
-        <p:spPr>
-          <a:xfrm>
-            <a:off x="1197790" y="2133136"/>
-            <a:ext cx="6220769" cy="461665"/>
-          </a:xfrm>
-          <a:prstGeom prst="rect">
-            <a:avLst/>
-          </a:prstGeom>
-          <a:noFill/>
-        </p:spPr>
-        <p:txBody>
-          <a:bodyPr wrap="square" rtlCol="0">
-            <a:spAutoFit/>
-          </a:bodyPr>
-          <a:lstStyle/>
-          <a:p>
-            <a:r>
-              <a:rPr lang="en-US" sz="2400" dirty="0"/>
-              <a:t>Discussion:</a:t>
-            </a:r>
-            <a:endParaRPr lang="en-US" dirty="0"/>
-          </a:p>
-        </p:txBody>
-      </p:sp>
     </p:spTree>
     <p:extLst>
       <p:ext uri="{BB962C8B-B14F-4D97-AF65-F5344CB8AC3E}">
-        <p14:creationId xmlns:p14="http://schemas.microsoft.com/office/powerpoint/2010/main" val="501794216"/>
+        <p14:creationId xmlns:p14="http://schemas.microsoft.com/office/powerpoint/2010/main" val="2382265825"/>
       </p:ext>
     </p:extLst>
   </p:cSld>
@@ -5810,8 +5630,8 @@
         </p:nvSpPr>
         <p:spPr>
           <a:xfrm>
-            <a:off x="508380" y="299829"/>
-            <a:ext cx="6093724" cy="369332"/>
+            <a:off x="446387" y="361822"/>
+            <a:ext cx="6093724" cy="400110"/>
           </a:xfrm>
           <a:prstGeom prst="rect">
             <a:avLst/>
@@ -5825,24 +5645,14 @@
           <a:lstStyle/>
           <a:p>
             <a:r>
-              <a:rPr lang="en-US" sz="1800" dirty="0"/>
-              <a:t>Approach part </a:t>
-            </a:r>
-            <a:r>
-              <a:rPr lang="en-US" dirty="0"/>
-              <a:t>three</a:t>
-            </a:r>
-            <a:r>
-              <a:rPr lang="en-US" sz="1800" dirty="0"/>
-              <a:t>: </a:t>
-            </a:r>
-            <a:r>
-              <a:rPr lang="en-US" dirty="0"/>
-              <a:t>Country of HQ Data</a:t>
-            </a:r>
-            <a:r>
-              <a:rPr lang="en-US" sz="1800" dirty="0"/>
-              <a:t> </a:t>
+              <a:rPr lang="en-US" sz="2000" dirty="0">
+                <a:solidFill>
+                  <a:schemeClr val="bg1">
+                    <a:lumMod val="50000"/>
+                  </a:schemeClr>
+                </a:solidFill>
+              </a:rPr>
+              <a:t>Approach part two b): NASDAQ API </a:t>
             </a:r>
           </a:p>
         </p:txBody>
@@ -5862,7 +5672,7 @@
         <p:spPr>
           <a:xfrm>
             <a:off x="1176114" y="2818936"/>
-            <a:ext cx="5619465" cy="1323439"/>
+            <a:ext cx="5619465" cy="1631216"/>
           </a:xfrm>
           <a:prstGeom prst="rect">
             <a:avLst/>
@@ -5877,7 +5687,7 @@
           <a:p>
             <a:r>
               <a:rPr lang="en-US" dirty="0"/>
-              <a:t>Country</a:t>
+              <a:t>Financial</a:t>
             </a:r>
             <a:r>
               <a:rPr lang="en-US" sz="2000" dirty="0"/>
@@ -5887,7 +5697,25 @@
           <a:p>
             <a:r>
               <a:rPr lang="en-US" sz="2000" dirty="0"/>
-              <a:t>	Are there country-specific qualities that are 	affecting company performance in the 	rankings / or Glassdoor</a:t>
+              <a:t>	NASDAQ API wrapper</a:t>
+            </a:r>
+          </a:p>
+          <a:p>
+            <a:r>
+              <a:rPr lang="en-US" sz="2000" dirty="0"/>
+              <a:t>	financial measures selected</a:t>
+            </a:r>
+          </a:p>
+          <a:p>
+            <a:r>
+              <a:rPr lang="en-US" sz="2000" dirty="0"/>
+              <a:t>	data cleaning</a:t>
+            </a:r>
+          </a:p>
+          <a:p>
+            <a:r>
+              <a:rPr lang="en-US" sz="2000" dirty="0"/>
+              <a:t>	results</a:t>
             </a:r>
           </a:p>
         </p:txBody>
@@ -5958,7 +5786,7 @@
           <a:p>
             <a:r>
               <a:rPr lang="en-US" sz="2400" dirty="0"/>
-              <a:t>*Insert Rohan’s graphs here* </a:t>
+              <a:t>*Insert Javier’s graphs here* </a:t>
             </a:r>
             <a:endParaRPr lang="en-US" dirty="0"/>
           </a:p>
@@ -6003,7 +5831,7 @@
     </p:spTree>
     <p:extLst>
       <p:ext uri="{BB962C8B-B14F-4D97-AF65-F5344CB8AC3E}">
-        <p14:creationId xmlns:p14="http://schemas.microsoft.com/office/powerpoint/2010/main" val="684092711"/>
+        <p14:creationId xmlns:p14="http://schemas.microsoft.com/office/powerpoint/2010/main" val="501794216"/>
       </p:ext>
     </p:extLst>
   </p:cSld>
@@ -6045,7 +5873,7 @@
         <p:spPr>
           <a:xfrm>
             <a:off x="508380" y="299829"/>
-            <a:ext cx="6093724" cy="369332"/>
+            <a:ext cx="6220768" cy="400110"/>
           </a:xfrm>
           <a:prstGeom prst="rect">
             <a:avLst/>
@@ -6059,7 +5887,237 @@
           <a:lstStyle/>
           <a:p>
             <a:r>
-              <a:rPr lang="en-US" sz="1800" dirty="0"/>
+              <a:rPr lang="en-US" sz="2000" dirty="0">
+                <a:solidFill>
+                  <a:schemeClr val="bg1">
+                    <a:lumMod val="50000"/>
+                  </a:schemeClr>
+                </a:solidFill>
+              </a:rPr>
+              <a:t>Approach part three: Country of HQ Data </a:t>
+            </a:r>
+          </a:p>
+        </p:txBody>
+      </p:sp>
+      <p:sp>
+        <p:nvSpPr>
+          <p:cNvPr id="6" name="TextBox 5">
+            <a:extLst>
+              <a:ext uri="{FF2B5EF4-FFF2-40B4-BE49-F238E27FC236}">
+                <a16:creationId xmlns:a16="http://schemas.microsoft.com/office/drawing/2014/main" id="{EC6300F2-8788-CBBF-C8C6-29C0EBA395F6}"/>
+              </a:ext>
+            </a:extLst>
+          </p:cNvPr>
+          <p:cNvSpPr txBox="1"/>
+          <p:nvPr/>
+        </p:nvSpPr>
+        <p:spPr>
+          <a:xfrm>
+            <a:off x="1176114" y="2818936"/>
+            <a:ext cx="5619465" cy="1323439"/>
+          </a:xfrm>
+          <a:prstGeom prst="rect">
+            <a:avLst/>
+          </a:prstGeom>
+          <a:noFill/>
+        </p:spPr>
+        <p:txBody>
+          <a:bodyPr wrap="square" rtlCol="0">
+            <a:spAutoFit/>
+          </a:bodyPr>
+          <a:lstStyle/>
+          <a:p>
+            <a:r>
+              <a:rPr lang="en-US" dirty="0"/>
+              <a:t>Country</a:t>
+            </a:r>
+            <a:r>
+              <a:rPr lang="en-US" sz="2000" dirty="0"/>
+              <a:t> Analysis:</a:t>
+            </a:r>
+          </a:p>
+          <a:p>
+            <a:r>
+              <a:rPr lang="en-US" sz="2000" dirty="0"/>
+              <a:t>	Are there country-specific qualities that are 	affecting company performance in the 	rankings / or Glassdoor</a:t>
+            </a:r>
+          </a:p>
+        </p:txBody>
+      </p:sp>
+      <p:sp>
+        <p:nvSpPr>
+          <p:cNvPr id="7" name="TextBox 6">
+            <a:extLst>
+              <a:ext uri="{FF2B5EF4-FFF2-40B4-BE49-F238E27FC236}">
+                <a16:creationId xmlns:a16="http://schemas.microsoft.com/office/drawing/2014/main" id="{B8C2AFE6-E279-FF55-E57D-A8D5108BDC87}"/>
+              </a:ext>
+            </a:extLst>
+          </p:cNvPr>
+          <p:cNvSpPr txBox="1"/>
+          <p:nvPr/>
+        </p:nvSpPr>
+        <p:spPr>
+          <a:xfrm>
+            <a:off x="1176114" y="4614147"/>
+            <a:ext cx="5619465" cy="461665"/>
+          </a:xfrm>
+          <a:prstGeom prst="rect">
+            <a:avLst/>
+          </a:prstGeom>
+          <a:noFill/>
+        </p:spPr>
+        <p:txBody>
+          <a:bodyPr wrap="square" rtlCol="0">
+            <a:spAutoFit/>
+          </a:bodyPr>
+          <a:lstStyle/>
+          <a:p>
+            <a:r>
+              <a:rPr lang="en-US" sz="2400" dirty="0"/>
+              <a:t>conclusions?</a:t>
+            </a:r>
+            <a:endParaRPr lang="en-US" dirty="0"/>
+          </a:p>
+        </p:txBody>
+      </p:sp>
+      <p:sp>
+        <p:nvSpPr>
+          <p:cNvPr id="8" name="TextBox 7">
+            <a:extLst>
+              <a:ext uri="{FF2B5EF4-FFF2-40B4-BE49-F238E27FC236}">
+                <a16:creationId xmlns:a16="http://schemas.microsoft.com/office/drawing/2014/main" id="{7A2C3EA7-A6DA-D1A1-065E-9934CE1AFB32}"/>
+              </a:ext>
+            </a:extLst>
+          </p:cNvPr>
+          <p:cNvSpPr txBox="1"/>
+          <p:nvPr/>
+        </p:nvSpPr>
+        <p:spPr>
+          <a:xfrm>
+            <a:off x="4375513" y="1447336"/>
+            <a:ext cx="6220769" cy="461665"/>
+          </a:xfrm>
+          <a:prstGeom prst="rect">
+            <a:avLst/>
+          </a:prstGeom>
+          <a:noFill/>
+        </p:spPr>
+        <p:txBody>
+          <a:bodyPr wrap="square" rtlCol="0">
+            <a:spAutoFit/>
+          </a:bodyPr>
+          <a:lstStyle/>
+          <a:p>
+            <a:r>
+              <a:rPr lang="en-US" sz="2400" dirty="0"/>
+              <a:t>*Insert Rohan’s graphs here* </a:t>
+            </a:r>
+            <a:endParaRPr lang="en-US" dirty="0"/>
+          </a:p>
+        </p:txBody>
+      </p:sp>
+      <p:sp>
+        <p:nvSpPr>
+          <p:cNvPr id="9" name="TextBox 8">
+            <a:extLst>
+              <a:ext uri="{FF2B5EF4-FFF2-40B4-BE49-F238E27FC236}">
+                <a16:creationId xmlns:a16="http://schemas.microsoft.com/office/drawing/2014/main" id="{A008C1DD-2789-17C5-F0E2-7122AFC857D5}"/>
+              </a:ext>
+            </a:extLst>
+          </p:cNvPr>
+          <p:cNvSpPr txBox="1"/>
+          <p:nvPr/>
+        </p:nvSpPr>
+        <p:spPr>
+          <a:xfrm>
+            <a:off x="1197790" y="2133136"/>
+            <a:ext cx="6220769" cy="461665"/>
+          </a:xfrm>
+          <a:prstGeom prst="rect">
+            <a:avLst/>
+          </a:prstGeom>
+          <a:noFill/>
+        </p:spPr>
+        <p:txBody>
+          <a:bodyPr wrap="square" rtlCol="0">
+            <a:spAutoFit/>
+          </a:bodyPr>
+          <a:lstStyle/>
+          <a:p>
+            <a:r>
+              <a:rPr lang="en-US" sz="2400" dirty="0"/>
+              <a:t>Discussion:</a:t>
+            </a:r>
+            <a:endParaRPr lang="en-US" dirty="0"/>
+          </a:p>
+        </p:txBody>
+      </p:sp>
+    </p:spTree>
+    <p:extLst>
+      <p:ext uri="{BB962C8B-B14F-4D97-AF65-F5344CB8AC3E}">
+        <p14:creationId xmlns:p14="http://schemas.microsoft.com/office/powerpoint/2010/main" val="684092711"/>
+      </p:ext>
+    </p:extLst>
+  </p:cSld>
+  <p:clrMapOvr>
+    <a:masterClrMapping/>
+  </p:clrMapOvr>
+</p:sld>
+</file>
+
+<file path=ppt/slides/slide7.xml><?xml version="1.0" encoding="utf-8"?>
+<p:sld xmlns:a="http://schemas.openxmlformats.org/drawingml/2006/main" xmlns:r="http://schemas.openxmlformats.org/officeDocument/2006/relationships" xmlns:p="http://schemas.openxmlformats.org/presentationml/2006/main">
+  <p:cSld>
+    <p:spTree>
+      <p:nvGrpSpPr>
+        <p:cNvPr id="1" name=""/>
+        <p:cNvGrpSpPr/>
+        <p:nvPr/>
+      </p:nvGrpSpPr>
+      <p:grpSpPr>
+        <a:xfrm>
+          <a:off x="0" y="0"/>
+          <a:ext cx="0" cy="0"/>
+          <a:chOff x="0" y="0"/>
+          <a:chExt cx="0" cy="0"/>
+        </a:xfrm>
+      </p:grpSpPr>
+      <p:sp>
+        <p:nvSpPr>
+          <p:cNvPr id="5" name="TextBox 4">
+            <a:extLst>
+              <a:ext uri="{FF2B5EF4-FFF2-40B4-BE49-F238E27FC236}">
+                <a16:creationId xmlns:a16="http://schemas.microsoft.com/office/drawing/2014/main" id="{3FE0129D-D179-4FFC-834F-BACE700F5BF8}"/>
+              </a:ext>
+            </a:extLst>
+          </p:cNvPr>
+          <p:cNvSpPr txBox="1"/>
+          <p:nvPr/>
+        </p:nvSpPr>
+        <p:spPr>
+          <a:xfrm>
+            <a:off x="508380" y="299829"/>
+            <a:ext cx="6093724" cy="400110"/>
+          </a:xfrm>
+          <a:prstGeom prst="rect">
+            <a:avLst/>
+          </a:prstGeom>
+          <a:noFill/>
+        </p:spPr>
+        <p:txBody>
+          <a:bodyPr wrap="square">
+            <a:spAutoFit/>
+          </a:bodyPr>
+          <a:lstStyle/>
+          <a:p>
+            <a:r>
+              <a:rPr lang="en-US" sz="2000" dirty="0">
+                <a:solidFill>
+                  <a:schemeClr val="bg1">
+                    <a:lumMod val="50000"/>
+                  </a:schemeClr>
+                </a:solidFill>
+              </a:rPr>
               <a:t>Overall conclusions</a:t>
             </a:r>
           </a:p>

--- a/Presentation1.pptx
+++ b/Presentation1.pptx
@@ -126,7 +126,7 @@
   <pc:docChgLst>
     <pc:chgData name="Gavin Payne" userId="a7059ab5374b9f55" providerId="LiveId" clId="{2E9C0B7F-F1C5-A141-8F12-51876334AF57}"/>
     <pc:docChg chg="undo custSel addSld modSld">
-      <pc:chgData name="Gavin Payne" userId="a7059ab5374b9f55" providerId="LiveId" clId="{2E9C0B7F-F1C5-A141-8F12-51876334AF57}" dt="2023-01-14T00:51:40.720" v="304" actId="20577"/>
+      <pc:chgData name="Gavin Payne" userId="a7059ab5374b9f55" providerId="LiveId" clId="{2E9C0B7F-F1C5-A141-8F12-51876334AF57}" dt="2023-01-14T05:08:29.603" v="318" actId="478"/>
       <pc:docMkLst>
         <pc:docMk/>
       </pc:docMkLst>
@@ -333,7 +333,7 @@
         </pc:spChg>
       </pc:sldChg>
       <pc:sldChg chg="addSp delSp modSp new mod">
-        <pc:chgData name="Gavin Payne" userId="a7059ab5374b9f55" providerId="LiveId" clId="{2E9C0B7F-F1C5-A141-8F12-51876334AF57}" dt="2023-01-13T06:13:39.958" v="266" actId="478"/>
+        <pc:chgData name="Gavin Payne" userId="a7059ab5374b9f55" providerId="LiveId" clId="{2E9C0B7F-F1C5-A141-8F12-51876334AF57}" dt="2023-01-14T05:08:29.603" v="318" actId="478"/>
         <pc:sldMkLst>
           <pc:docMk/>
           <pc:sldMk cId="2382265825" sldId="262"/>
@@ -354,6 +354,22 @@
             <ac:spMk id="3" creationId="{191E3F2B-84DB-11A4-083E-2853EA6740D8}"/>
           </ac:spMkLst>
         </pc:spChg>
+        <pc:spChg chg="add mod">
+          <ac:chgData name="Gavin Payne" userId="a7059ab5374b9f55" providerId="LiveId" clId="{2E9C0B7F-F1C5-A141-8F12-51876334AF57}" dt="2023-01-14T05:07:52.733" v="315" actId="1076"/>
+          <ac:spMkLst>
+            <pc:docMk/>
+            <pc:sldMk cId="2382265825" sldId="262"/>
+            <ac:spMk id="5" creationId="{6C8AEA27-0DAF-505F-C229-94F8582A07A0}"/>
+          </ac:spMkLst>
+        </pc:spChg>
+        <pc:picChg chg="add del mod">
+          <ac:chgData name="Gavin Payne" userId="a7059ab5374b9f55" providerId="LiveId" clId="{2E9C0B7F-F1C5-A141-8F12-51876334AF57}" dt="2023-01-14T05:08:29.603" v="318" actId="478"/>
+          <ac:picMkLst>
+            <pc:docMk/>
+            <pc:sldMk cId="2382265825" sldId="262"/>
+            <ac:picMk id="3" creationId="{5F3981DE-0E2A-6BCB-2F6F-F3F7718755C8}"/>
+          </ac:picMkLst>
+        </pc:picChg>
         <pc:picChg chg="add del mod">
           <ac:chgData name="Gavin Payne" userId="a7059ab5374b9f55" providerId="LiveId" clId="{2E9C0B7F-F1C5-A141-8F12-51876334AF57}" dt="2023-01-13T06:13:39.958" v="266" actId="478"/>
           <ac:picMkLst>
@@ -450,7 +466,7 @@
           <a:p>
             <a:fld id="{49EB26CE-C365-2647-8D9B-DD80F02BB9A0}" type="datetimeFigureOut">
               <a:rPr lang="en-US" smtClean="0"/>
-              <a:t>1/13/23</a:t>
+              <a:t>1/14/23</a:t>
             </a:fld>
             <a:endParaRPr lang="en-US"/>
           </a:p>
@@ -2023,7 +2039,7 @@
           <a:p>
             <a:fld id="{6AB700A9-371A-EE49-802C-A555FBDE136C}" type="datetimeFigureOut">
               <a:rPr lang="en-US" smtClean="0"/>
-              <a:t>1/13/23</a:t>
+              <a:t>1/14/23</a:t>
             </a:fld>
             <a:endParaRPr lang="en-US"/>
           </a:p>
@@ -2223,7 +2239,7 @@
           <a:p>
             <a:fld id="{6AB700A9-371A-EE49-802C-A555FBDE136C}" type="datetimeFigureOut">
               <a:rPr lang="en-US" smtClean="0"/>
-              <a:t>1/13/23</a:t>
+              <a:t>1/14/23</a:t>
             </a:fld>
             <a:endParaRPr lang="en-US"/>
           </a:p>
@@ -2433,7 +2449,7 @@
           <a:p>
             <a:fld id="{6AB700A9-371A-EE49-802C-A555FBDE136C}" type="datetimeFigureOut">
               <a:rPr lang="en-US" smtClean="0"/>
-              <a:t>1/13/23</a:t>
+              <a:t>1/14/23</a:t>
             </a:fld>
             <a:endParaRPr lang="en-US"/>
           </a:p>
@@ -2633,7 +2649,7 @@
           <a:p>
             <a:fld id="{6AB700A9-371A-EE49-802C-A555FBDE136C}" type="datetimeFigureOut">
               <a:rPr lang="en-US" smtClean="0"/>
-              <a:t>1/13/23</a:t>
+              <a:t>1/14/23</a:t>
             </a:fld>
             <a:endParaRPr lang="en-US"/>
           </a:p>
@@ -2909,7 +2925,7 @@
           <a:p>
             <a:fld id="{6AB700A9-371A-EE49-802C-A555FBDE136C}" type="datetimeFigureOut">
               <a:rPr lang="en-US" smtClean="0"/>
-              <a:t>1/13/23</a:t>
+              <a:t>1/14/23</a:t>
             </a:fld>
             <a:endParaRPr lang="en-US"/>
           </a:p>
@@ -3177,7 +3193,7 @@
           <a:p>
             <a:fld id="{6AB700A9-371A-EE49-802C-A555FBDE136C}" type="datetimeFigureOut">
               <a:rPr lang="en-US" smtClean="0"/>
-              <a:t>1/13/23</a:t>
+              <a:t>1/14/23</a:t>
             </a:fld>
             <a:endParaRPr lang="en-US"/>
           </a:p>
@@ -3592,7 +3608,7 @@
           <a:p>
             <a:fld id="{6AB700A9-371A-EE49-802C-A555FBDE136C}" type="datetimeFigureOut">
               <a:rPr lang="en-US" smtClean="0"/>
-              <a:t>1/13/23</a:t>
+              <a:t>1/14/23</a:t>
             </a:fld>
             <a:endParaRPr lang="en-US"/>
           </a:p>
@@ -3734,7 +3750,7 @@
           <a:p>
             <a:fld id="{6AB700A9-371A-EE49-802C-A555FBDE136C}" type="datetimeFigureOut">
               <a:rPr lang="en-US" smtClean="0"/>
-              <a:t>1/13/23</a:t>
+              <a:t>1/14/23</a:t>
             </a:fld>
             <a:endParaRPr lang="en-US"/>
           </a:p>
@@ -3847,7 +3863,7 @@
           <a:p>
             <a:fld id="{6AB700A9-371A-EE49-802C-A555FBDE136C}" type="datetimeFigureOut">
               <a:rPr lang="en-US" smtClean="0"/>
-              <a:t>1/13/23</a:t>
+              <a:t>1/14/23</a:t>
             </a:fld>
             <a:endParaRPr lang="en-US"/>
           </a:p>
@@ -4160,7 +4176,7 @@
           <a:p>
             <a:fld id="{6AB700A9-371A-EE49-802C-A555FBDE136C}" type="datetimeFigureOut">
               <a:rPr lang="en-US" smtClean="0"/>
-              <a:t>1/13/23</a:t>
+              <a:t>1/14/23</a:t>
             </a:fld>
             <a:endParaRPr lang="en-US"/>
           </a:p>
@@ -4449,7 +4465,7 @@
           <a:p>
             <a:fld id="{6AB700A9-371A-EE49-802C-A555FBDE136C}" type="datetimeFigureOut">
               <a:rPr lang="en-US" smtClean="0"/>
-              <a:t>1/13/23</a:t>
+              <a:t>1/14/23</a:t>
             </a:fld>
             <a:endParaRPr lang="en-US"/>
           </a:p>
@@ -4692,7 +4708,7 @@
           <a:p>
             <a:fld id="{6AB700A9-371A-EE49-802C-A555FBDE136C}" type="datetimeFigureOut">
               <a:rPr lang="en-US" smtClean="0"/>
-              <a:t>1/13/23</a:t>
+              <a:t>1/14/23</a:t>
             </a:fld>
             <a:endParaRPr lang="en-US"/>
           </a:p>
@@ -5586,6 +5602,47 @@
           <a:chExt cx="0" cy="0"/>
         </a:xfrm>
       </p:grpSpPr>
+      <p:sp>
+        <p:nvSpPr>
+          <p:cNvPr id="5" name="TextBox 4">
+            <a:extLst>
+              <a:ext uri="{FF2B5EF4-FFF2-40B4-BE49-F238E27FC236}">
+                <a16:creationId xmlns:a16="http://schemas.microsoft.com/office/drawing/2014/main" id="{6C8AEA27-0DAF-505F-C229-94F8582A07A0}"/>
+              </a:ext>
+            </a:extLst>
+          </p:cNvPr>
+          <p:cNvSpPr txBox="1"/>
+          <p:nvPr/>
+        </p:nvSpPr>
+        <p:spPr>
+          <a:xfrm>
+            <a:off x="145774" y="132522"/>
+            <a:ext cx="6096000" cy="369332"/>
+          </a:xfrm>
+          <a:prstGeom prst="rect">
+            <a:avLst/>
+          </a:prstGeom>
+          <a:noFill/>
+        </p:spPr>
+        <p:txBody>
+          <a:bodyPr wrap="square">
+            <a:spAutoFit/>
+          </a:bodyPr>
+          <a:lstStyle/>
+          <a:p>
+            <a:r>
+              <a:rPr lang="en-US" sz="1800" dirty="0">
+                <a:solidFill>
+                  <a:schemeClr val="bg1">
+                    <a:lumMod val="50000"/>
+                  </a:schemeClr>
+                </a:solidFill>
+              </a:rPr>
+              <a:t>Approach part two a): Yahoo Finance library </a:t>
+            </a:r>
+          </a:p>
+        </p:txBody>
+      </p:sp>
     </p:spTree>
     <p:extLst>
       <p:ext uri="{BB962C8B-B14F-4D97-AF65-F5344CB8AC3E}">
